--- a/docs/NoC-based_CNN_presentation1_Bhagya.pptx
+++ b/docs/NoC-based_CNN_presentation1_Bhagya.pptx
@@ -4209,7 +4209,7 @@
             </a:r>
             <a:r>
               <a:rPr lang="en-IN" sz="5400" cap="none" dirty="0"/>
-              <a:t>-based methodology for designing and simulating neural network simulator</a:t>
+              <a:t>-based methodology for designing and simulating neural network accelerator</a:t>
             </a:r>
           </a:p>
         </p:txBody>

--- a/docs/NoC-based_CNN_presentation1_Bhagya.pptx
+++ b/docs/NoC-based_CNN_presentation1_Bhagya.pptx
@@ -229,7 +229,7 @@
           <a:p>
             <a:fld id="{BE9DABF2-4F16-48A8-BC7C-1FB724241429}" type="datetimeFigureOut">
               <a:rPr lang="en-IN" smtClean="0"/>
-              <a:t>19-10-2020</a:t>
+              <a:t>20-10-2020</a:t>
             </a:fld>
             <a:endParaRPr lang="en-IN"/>
           </a:p>
@@ -407,7 +407,7 @@
           <a:p>
             <a:fld id="{4D422442-065A-42AB-B8A5-9F13670B85E5}" type="datetimeFigureOut">
               <a:rPr lang="en-IN" smtClean="0"/>
-              <a:t>19-10-2020</a:t>
+              <a:t>20-10-2020</a:t>
             </a:fld>
             <a:endParaRPr lang="en-IN"/>
           </a:p>
@@ -815,7 +815,7 @@
           <a:p>
             <a:fld id="{132654F0-71EA-494C-8B77-F232DAFD9372}" type="datetime1">
               <a:rPr lang="en-US" smtClean="0"/>
-              <a:t>10/19/2020</a:t>
+              <a:t>10/20/2020</a:t>
             </a:fld>
             <a:endParaRPr lang="en-US" dirty="0"/>
           </a:p>
@@ -1025,7 +1025,7 @@
           <a:p>
             <a:fld id="{9962C8A3-7942-488D-A693-2F7CD0E07BB2}" type="datetime1">
               <a:rPr lang="en-US" smtClean="0"/>
-              <a:t>10/19/2020</a:t>
+              <a:t>10/20/2020</a:t>
             </a:fld>
             <a:endParaRPr lang="en-US" dirty="0"/>
           </a:p>
@@ -1239,7 +1239,7 @@
           <a:p>
             <a:fld id="{D14875AF-B778-45FE-A3B1-4373F12C7FA0}" type="datetime1">
               <a:rPr lang="en-US" smtClean="0"/>
-              <a:t>10/19/2020</a:t>
+              <a:t>10/20/2020</a:t>
             </a:fld>
             <a:endParaRPr lang="en-US" dirty="0"/>
           </a:p>
@@ -1439,7 +1439,7 @@
           <a:p>
             <a:fld id="{9A96C77E-DD44-4018-95C6-09CF5E2C2988}" type="datetime1">
               <a:rPr lang="en-US" smtClean="0"/>
-              <a:t>10/19/2020</a:t>
+              <a:t>10/20/2020</a:t>
             </a:fld>
             <a:endParaRPr lang="en-US" dirty="0"/>
           </a:p>
@@ -1717,7 +1717,7 @@
           <a:p>
             <a:fld id="{612FEA66-F6AB-4A26-AFB5-4DC0407ED69B}" type="datetime1">
               <a:rPr lang="en-US" smtClean="0"/>
-              <a:t>10/19/2020</a:t>
+              <a:t>10/20/2020</a:t>
             </a:fld>
             <a:endParaRPr lang="en-US" dirty="0"/>
           </a:p>
@@ -1984,7 +1984,7 @@
           <a:p>
             <a:fld id="{DACDEB22-511C-4D0C-99FB-ACCF7E6987CD}" type="datetime1">
               <a:rPr lang="en-US" smtClean="0"/>
-              <a:t>10/19/2020</a:t>
+              <a:t>10/20/2020</a:t>
             </a:fld>
             <a:endParaRPr lang="en-US" dirty="0"/>
           </a:p>
@@ -2399,7 +2399,7 @@
           <a:p>
             <a:fld id="{180BA0B8-BA63-4104-B714-C525A6E891A3}" type="datetime1">
               <a:rPr lang="en-US" smtClean="0"/>
-              <a:t>10/19/2020</a:t>
+              <a:t>10/20/2020</a:t>
             </a:fld>
             <a:endParaRPr lang="en-US" dirty="0"/>
           </a:p>
@@ -2547,7 +2547,7 @@
           <a:p>
             <a:fld id="{D890725C-03AE-4E52-ADF8-172F10F6EA11}" type="datetime1">
               <a:rPr lang="en-US" smtClean="0"/>
-              <a:t>10/19/2020</a:t>
+              <a:t>10/20/2020</a:t>
             </a:fld>
             <a:endParaRPr lang="en-US" dirty="0"/>
           </a:p>
@@ -2672,7 +2672,7 @@
           <a:p>
             <a:fld id="{B87E64FB-3450-4D37-82FA-0D9B174C7A26}" type="datetime1">
               <a:rPr lang="en-US" smtClean="0"/>
-              <a:t>10/19/2020</a:t>
+              <a:t>10/20/2020</a:t>
             </a:fld>
             <a:endParaRPr lang="en-US" dirty="0"/>
           </a:p>
@@ -2922,7 +2922,7 @@
           <a:p>
             <a:fld id="{6458B842-723A-479A-AF5F-BD4C8DF5946B}" type="datetime1">
               <a:rPr lang="en-US" smtClean="0"/>
-              <a:t>10/19/2020</a:t>
+              <a:t>10/20/2020</a:t>
             </a:fld>
             <a:endParaRPr lang="en-US" dirty="0"/>
           </a:p>
@@ -3366,7 +3366,7 @@
           <a:p>
             <a:fld id="{EBBD4632-FD5C-4950-8BF4-439894C460F9}" type="datetime1">
               <a:rPr lang="en-US" smtClean="0"/>
-              <a:t>10/19/2020</a:t>
+              <a:t>10/20/2020</a:t>
             </a:fld>
             <a:endParaRPr lang="en-US" dirty="0"/>
           </a:p>
@@ -3692,7 +3692,7 @@
           <a:p>
             <a:fld id="{ACAE360A-8000-4B1F-BA78-D7433222F80C}" type="datetime1">
               <a:rPr lang="en-US" smtClean="0"/>
-              <a:t>10/19/2020</a:t>
+              <a:t>10/20/2020</a:t>
             </a:fld>
             <a:endParaRPr lang="en-US" dirty="0"/>
           </a:p>
@@ -4367,7 +4367,7 @@
           <a:p>
             <a:r>
               <a:rPr lang="en-IN" dirty="0"/>
-              <a:t>CNN expanding conversion where CNN consisting of convolution layers, pooling layers and fully-connected layers are converted into an AA-like partially connected neural network</a:t>
+              <a:t>CNN expanding conversion where CNN consisting of convolution layers, pooling layers and fully-connected layers are converted into an ANN-like connected neural network</a:t>
             </a:r>
           </a:p>
           <a:p>
@@ -4560,6 +4560,41 @@
           </a:p>
         </p:txBody>
       </p:sp>
+      <p:sp>
+        <p:nvSpPr>
+          <p:cNvPr id="4" name="TextBox 3">
+            <a:extLst>
+              <a:ext uri="{FF2B5EF4-FFF2-40B4-BE49-F238E27FC236}">
+                <a16:creationId xmlns:a16="http://schemas.microsoft.com/office/drawing/2014/main" id="{56EA4AAD-AC45-43B8-9579-FF0BB31DE5EA}"/>
+              </a:ext>
+            </a:extLst>
+          </p:cNvPr>
+          <p:cNvSpPr txBox="1"/>
+          <p:nvPr/>
+        </p:nvSpPr>
+        <p:spPr>
+          <a:xfrm>
+            <a:off x="5403907" y="5466345"/>
+            <a:ext cx="1384183" cy="369332"/>
+          </a:xfrm>
+          <a:prstGeom prst="rect">
+            <a:avLst/>
+          </a:prstGeom>
+          <a:noFill/>
+        </p:spPr>
+        <p:txBody>
+          <a:bodyPr wrap="square" rtlCol="0">
+            <a:spAutoFit/>
+          </a:bodyPr>
+          <a:lstStyle/>
+          <a:p>
+            <a:r>
+              <a:rPr lang="en-IN" dirty="0"/>
+              <a:t>Figure 6</a:t>
+            </a:r>
+          </a:p>
+        </p:txBody>
+      </p:sp>
     </p:spTree>
     <p:extLst>
       <p:ext uri="{BB962C8B-B14F-4D97-AF65-F5344CB8AC3E}">
@@ -4613,8 +4648,13 @@
           <a:p>
             <a:r>
               <a:rPr lang="en-IN" dirty="0"/>
-              <a:t>Structure of Lenet-6</a:t>
-            </a:r>
+              <a:t>Structure of </a:t>
+            </a:r>
+            <a:r>
+              <a:rPr lang="en-IN" dirty="0" err="1"/>
+              <a:t>Lenet</a:t>
+            </a:r>
+            <a:endParaRPr lang="en-IN" dirty="0"/>
           </a:p>
         </p:txBody>
       </p:sp>
@@ -4642,8 +4682,8 @@
         </p:blipFill>
         <p:spPr>
           <a:xfrm>
-            <a:off x="1366837" y="2009775"/>
-            <a:ext cx="9458325" cy="2838450"/>
+            <a:off x="159390" y="2082503"/>
+            <a:ext cx="8678149" cy="2838450"/>
           </a:xfrm>
           <a:prstGeom prst="rect">
             <a:avLst/>
@@ -4676,6 +4716,106 @@
               <a:t>12</a:t>
             </a:fld>
             <a:endParaRPr lang="en-US" dirty="0"/>
+          </a:p>
+        </p:txBody>
+      </p:sp>
+      <p:sp>
+        <p:nvSpPr>
+          <p:cNvPr id="6" name="TextBox 5">
+            <a:extLst>
+              <a:ext uri="{FF2B5EF4-FFF2-40B4-BE49-F238E27FC236}">
+                <a16:creationId xmlns:a16="http://schemas.microsoft.com/office/drawing/2014/main" id="{2899BD7B-E0B3-473D-9C8F-61A2CB0157D7}"/>
+              </a:ext>
+            </a:extLst>
+          </p:cNvPr>
+          <p:cNvSpPr txBox="1"/>
+          <p:nvPr/>
+        </p:nvSpPr>
+        <p:spPr>
+          <a:xfrm>
+            <a:off x="4023219" y="4917568"/>
+            <a:ext cx="1384183" cy="369332"/>
+          </a:xfrm>
+          <a:prstGeom prst="rect">
+            <a:avLst/>
+          </a:prstGeom>
+          <a:noFill/>
+        </p:spPr>
+        <p:txBody>
+          <a:bodyPr wrap="square" rtlCol="0">
+            <a:spAutoFit/>
+          </a:bodyPr>
+          <a:lstStyle/>
+          <a:p>
+            <a:r>
+              <a:rPr lang="en-IN" dirty="0"/>
+              <a:t>Figure 7</a:t>
+            </a:r>
+          </a:p>
+        </p:txBody>
+      </p:sp>
+      <p:pic>
+        <p:nvPicPr>
+          <p:cNvPr id="7" name="Picture 6">
+            <a:extLst>
+              <a:ext uri="{FF2B5EF4-FFF2-40B4-BE49-F238E27FC236}">
+                <a16:creationId xmlns:a16="http://schemas.microsoft.com/office/drawing/2014/main" id="{6486B2C2-3F0E-417D-BDA5-342EE24CB965}"/>
+              </a:ext>
+            </a:extLst>
+          </p:cNvPr>
+          <p:cNvPicPr>
+            <a:picLocks noChangeAspect="1"/>
+          </p:cNvPicPr>
+          <p:nvPr/>
+        </p:nvPicPr>
+        <p:blipFill>
+          <a:blip r:embed="rId3"/>
+          <a:stretch>
+            <a:fillRect/>
+          </a:stretch>
+        </p:blipFill>
+        <p:spPr>
+          <a:xfrm>
+            <a:off x="8908410" y="235546"/>
+            <a:ext cx="3124200" cy="5229225"/>
+          </a:xfrm>
+          <a:prstGeom prst="rect">
+            <a:avLst/>
+          </a:prstGeom>
+        </p:spPr>
+      </p:pic>
+      <p:sp>
+        <p:nvSpPr>
+          <p:cNvPr id="10" name="TextBox 9">
+            <a:extLst>
+              <a:ext uri="{FF2B5EF4-FFF2-40B4-BE49-F238E27FC236}">
+                <a16:creationId xmlns:a16="http://schemas.microsoft.com/office/drawing/2014/main" id="{CBBD25A9-CC58-4DD8-9418-C3B9B7316219}"/>
+              </a:ext>
+            </a:extLst>
+          </p:cNvPr>
+          <p:cNvSpPr txBox="1"/>
+          <p:nvPr/>
+        </p:nvSpPr>
+        <p:spPr>
+          <a:xfrm>
+            <a:off x="10064691" y="5483277"/>
+            <a:ext cx="1384183" cy="369332"/>
+          </a:xfrm>
+          <a:prstGeom prst="rect">
+            <a:avLst/>
+          </a:prstGeom>
+          <a:noFill/>
+        </p:spPr>
+        <p:txBody>
+          <a:bodyPr wrap="square" rtlCol="0">
+            <a:spAutoFit/>
+          </a:bodyPr>
+          <a:lstStyle/>
+          <a:p>
+            <a:r>
+              <a:rPr lang="en-IN" dirty="0"/>
+              <a:t>Figure 8</a:t>
+            </a:r>
           </a:p>
         </p:txBody>
       </p:sp>
@@ -4795,6 +4935,41 @@
               <a:t>13</a:t>
             </a:fld>
             <a:endParaRPr lang="en-US" dirty="0"/>
+          </a:p>
+        </p:txBody>
+      </p:sp>
+      <p:sp>
+        <p:nvSpPr>
+          <p:cNvPr id="6" name="TextBox 5">
+            <a:extLst>
+              <a:ext uri="{FF2B5EF4-FFF2-40B4-BE49-F238E27FC236}">
+                <a16:creationId xmlns:a16="http://schemas.microsoft.com/office/drawing/2014/main" id="{3CD89006-1690-42F3-84D3-A15660AB5BCF}"/>
+              </a:ext>
+            </a:extLst>
+          </p:cNvPr>
+          <p:cNvSpPr txBox="1"/>
+          <p:nvPr/>
+        </p:nvSpPr>
+        <p:spPr>
+          <a:xfrm>
+            <a:off x="5066119" y="5465763"/>
+            <a:ext cx="1384183" cy="369332"/>
+          </a:xfrm>
+          <a:prstGeom prst="rect">
+            <a:avLst/>
+          </a:prstGeom>
+          <a:noFill/>
+        </p:spPr>
+        <p:txBody>
+          <a:bodyPr wrap="square" rtlCol="0">
+            <a:spAutoFit/>
+          </a:bodyPr>
+          <a:lstStyle/>
+          <a:p>
+            <a:r>
+              <a:rPr lang="en-IN" dirty="0"/>
+              <a:t>Figure 9</a:t>
+            </a:r>
           </a:p>
         </p:txBody>
       </p:sp>
@@ -6359,10 +6534,10 @@
       </p:sp>
       <p:pic>
         <p:nvPicPr>
-          <p:cNvPr id="5" name="Picture 4">
+          <p:cNvPr id="6" name="Content Placeholder 3">
             <a:extLst>
               <a:ext uri="{FF2B5EF4-FFF2-40B4-BE49-F238E27FC236}">
-                <a16:creationId xmlns:a16="http://schemas.microsoft.com/office/drawing/2014/main" id="{8D64F13C-F754-4450-9848-E3D6240D3814}"/>
+                <a16:creationId xmlns:a16="http://schemas.microsoft.com/office/drawing/2014/main" id="{011F643A-9A88-4FF8-8968-4DEC523799D5}"/>
               </a:ext>
             </a:extLst>
           </p:cNvPr>
@@ -6379,38 +6554,8 @@
         </p:blipFill>
         <p:spPr>
           <a:xfrm>
-            <a:off x="2136082" y="3429000"/>
-            <a:ext cx="2860646" cy="2546976"/>
-          </a:xfrm>
-          <a:prstGeom prst="rect">
-            <a:avLst/>
-          </a:prstGeom>
-        </p:spPr>
-      </p:pic>
-      <p:pic>
-        <p:nvPicPr>
-          <p:cNvPr id="6" name="Content Placeholder 3">
-            <a:extLst>
-              <a:ext uri="{FF2B5EF4-FFF2-40B4-BE49-F238E27FC236}">
-                <a16:creationId xmlns:a16="http://schemas.microsoft.com/office/drawing/2014/main" id="{011F643A-9A88-4FF8-8968-4DEC523799D5}"/>
-              </a:ext>
-            </a:extLst>
-          </p:cNvPr>
-          <p:cNvPicPr>
-            <a:picLocks noChangeAspect="1"/>
-          </p:cNvPicPr>
-          <p:nvPr/>
-        </p:nvPicPr>
-        <p:blipFill>
-          <a:blip r:embed="rId3"/>
-          <a:stretch>
-            <a:fillRect/>
-          </a:stretch>
-        </p:blipFill>
-        <p:spPr>
-          <a:xfrm>
-            <a:off x="5379087" y="2907362"/>
-            <a:ext cx="6360270" cy="3146119"/>
+            <a:off x="5379087" y="2907363"/>
+            <a:ext cx="5786660" cy="2862382"/>
           </a:xfrm>
           <a:prstGeom prst="rect">
             <a:avLst/>
@@ -6443,6 +6588,41 @@
               <a:t>5</a:t>
             </a:fld>
             <a:endParaRPr lang="en-US" dirty="0"/>
+          </a:p>
+        </p:txBody>
+      </p:sp>
+      <p:sp>
+        <p:nvSpPr>
+          <p:cNvPr id="7" name="TextBox 6">
+            <a:extLst>
+              <a:ext uri="{FF2B5EF4-FFF2-40B4-BE49-F238E27FC236}">
+                <a16:creationId xmlns:a16="http://schemas.microsoft.com/office/drawing/2014/main" id="{D89056D9-05F7-4BA9-BFED-D1265822EB0A}"/>
+              </a:ext>
+            </a:extLst>
+          </p:cNvPr>
+          <p:cNvSpPr txBox="1"/>
+          <p:nvPr/>
+        </p:nvSpPr>
+        <p:spPr>
+          <a:xfrm>
+            <a:off x="7835318" y="5769745"/>
+            <a:ext cx="1384183" cy="369332"/>
+          </a:xfrm>
+          <a:prstGeom prst="rect">
+            <a:avLst/>
+          </a:prstGeom>
+          <a:noFill/>
+        </p:spPr>
+        <p:txBody>
+          <a:bodyPr wrap="square" rtlCol="0">
+            <a:spAutoFit/>
+          </a:bodyPr>
+          <a:lstStyle/>
+          <a:p>
+            <a:r>
+              <a:rPr lang="en-IN" dirty="0"/>
+              <a:t>Figure 1</a:t>
+            </a:r>
           </a:p>
         </p:txBody>
       </p:sp>
@@ -6616,6 +6796,41 @@
           </a:p>
         </p:txBody>
       </p:sp>
+      <p:sp>
+        <p:nvSpPr>
+          <p:cNvPr id="7" name="TextBox 6">
+            <a:extLst>
+              <a:ext uri="{FF2B5EF4-FFF2-40B4-BE49-F238E27FC236}">
+                <a16:creationId xmlns:a16="http://schemas.microsoft.com/office/drawing/2014/main" id="{82061AA6-FB0E-4D20-A89A-EE2424601C89}"/>
+              </a:ext>
+            </a:extLst>
+          </p:cNvPr>
+          <p:cNvSpPr txBox="1"/>
+          <p:nvPr/>
+        </p:nvSpPr>
+        <p:spPr>
+          <a:xfrm>
+            <a:off x="9588617" y="5387654"/>
+            <a:ext cx="1384183" cy="369332"/>
+          </a:xfrm>
+          <a:prstGeom prst="rect">
+            <a:avLst/>
+          </a:prstGeom>
+          <a:noFill/>
+        </p:spPr>
+        <p:txBody>
+          <a:bodyPr wrap="square" rtlCol="0">
+            <a:spAutoFit/>
+          </a:bodyPr>
+          <a:lstStyle/>
+          <a:p>
+            <a:r>
+              <a:rPr lang="en-IN" dirty="0"/>
+              <a:t>Figure 2</a:t>
+            </a:r>
+          </a:p>
+        </p:txBody>
+      </p:sp>
     </p:spTree>
     <p:extLst>
       <p:ext uri="{BB962C8B-B14F-4D97-AF65-F5344CB8AC3E}">
@@ -6808,6 +7023,41 @@
           </a:p>
         </p:txBody>
       </p:sp>
+      <p:sp>
+        <p:nvSpPr>
+          <p:cNvPr id="7" name="TextBox 6">
+            <a:extLst>
+              <a:ext uri="{FF2B5EF4-FFF2-40B4-BE49-F238E27FC236}">
+                <a16:creationId xmlns:a16="http://schemas.microsoft.com/office/drawing/2014/main" id="{9072F479-AF11-4A35-8CB8-D6A454FB83A2}"/>
+              </a:ext>
+            </a:extLst>
+          </p:cNvPr>
+          <p:cNvSpPr txBox="1"/>
+          <p:nvPr/>
+        </p:nvSpPr>
+        <p:spPr>
+          <a:xfrm>
+            <a:off x="9311780" y="5150840"/>
+            <a:ext cx="1384183" cy="369332"/>
+          </a:xfrm>
+          <a:prstGeom prst="rect">
+            <a:avLst/>
+          </a:prstGeom>
+          <a:noFill/>
+        </p:spPr>
+        <p:txBody>
+          <a:bodyPr wrap="square" rtlCol="0">
+            <a:spAutoFit/>
+          </a:bodyPr>
+          <a:lstStyle/>
+          <a:p>
+            <a:r>
+              <a:rPr lang="en-IN" dirty="0"/>
+              <a:t>Figure 3</a:t>
+            </a:r>
+          </a:p>
+        </p:txBody>
+      </p:sp>
     </p:spTree>
     <p:extLst>
       <p:ext uri="{BB962C8B-B14F-4D97-AF65-F5344CB8AC3E}">
@@ -7008,6 +7258,41 @@
           </a:p>
         </p:txBody>
       </p:sp>
+      <p:sp>
+        <p:nvSpPr>
+          <p:cNvPr id="7" name="TextBox 6">
+            <a:extLst>
+              <a:ext uri="{FF2B5EF4-FFF2-40B4-BE49-F238E27FC236}">
+                <a16:creationId xmlns:a16="http://schemas.microsoft.com/office/drawing/2014/main" id="{DFBA347F-1DE2-4F82-A83E-880F96F2EE13}"/>
+              </a:ext>
+            </a:extLst>
+          </p:cNvPr>
+          <p:cNvSpPr txBox="1"/>
+          <p:nvPr/>
+        </p:nvSpPr>
+        <p:spPr>
+          <a:xfrm>
+            <a:off x="9362114" y="5340510"/>
+            <a:ext cx="1384183" cy="369332"/>
+          </a:xfrm>
+          <a:prstGeom prst="rect">
+            <a:avLst/>
+          </a:prstGeom>
+          <a:noFill/>
+        </p:spPr>
+        <p:txBody>
+          <a:bodyPr wrap="square" rtlCol="0">
+            <a:spAutoFit/>
+          </a:bodyPr>
+          <a:lstStyle/>
+          <a:p>
+            <a:r>
+              <a:rPr lang="en-IN" dirty="0"/>
+              <a:t>Figure 4</a:t>
+            </a:r>
+          </a:p>
+        </p:txBody>
+      </p:sp>
     </p:spTree>
     <p:extLst>
       <p:ext uri="{BB962C8B-B14F-4D97-AF65-F5344CB8AC3E}">
@@ -7162,6 +7447,41 @@
               <a:t>9</a:t>
             </a:fld>
             <a:endParaRPr lang="en-US" dirty="0"/>
+          </a:p>
+        </p:txBody>
+      </p:sp>
+      <p:sp>
+        <p:nvSpPr>
+          <p:cNvPr id="7" name="TextBox 6">
+            <a:extLst>
+              <a:ext uri="{FF2B5EF4-FFF2-40B4-BE49-F238E27FC236}">
+                <a16:creationId xmlns:a16="http://schemas.microsoft.com/office/drawing/2014/main" id="{7A4FD607-9F6C-4606-A622-D1882E2FD7AB}"/>
+              </a:ext>
+            </a:extLst>
+          </p:cNvPr>
+          <p:cNvSpPr txBox="1"/>
+          <p:nvPr/>
+        </p:nvSpPr>
+        <p:spPr>
+          <a:xfrm>
+            <a:off x="9249561" y="5281679"/>
+            <a:ext cx="1384183" cy="369332"/>
+          </a:xfrm>
+          <a:prstGeom prst="rect">
+            <a:avLst/>
+          </a:prstGeom>
+          <a:noFill/>
+        </p:spPr>
+        <p:txBody>
+          <a:bodyPr wrap="square" rtlCol="0">
+            <a:spAutoFit/>
+          </a:bodyPr>
+          <a:lstStyle/>
+          <a:p>
+            <a:r>
+              <a:rPr lang="en-IN" dirty="0"/>
+              <a:t>Figure 5</a:t>
+            </a:r>
           </a:p>
         </p:txBody>
       </p:sp>
